--- a/To-Do Projekt.pptx
+++ b/To-Do Projekt.pptx
@@ -1373,7 +1373,7 @@
           <a:p>
             <a:fld id="{E4587A30-B3B0-41F0-AF65-C603266CF552}" type="datetimeFigureOut">
               <a:rPr lang="de-DE" smtClean="0"/>
-              <a:t>14.01.2025</a:t>
+              <a:t>16.01.2025</a:t>
             </a:fld>
             <a:endParaRPr lang="de-DE"/>
           </a:p>
@@ -1872,7 +1872,7 @@
           <a:p>
             <a:fld id="{073D55F9-11A3-4523-8F38-6BA37933791A}" type="datetime1">
               <a:rPr lang="en-US" smtClean="0"/>
-              <a:t>1/14/2025</a:t>
+              <a:t>1/16/2025</a:t>
             </a:fld>
             <a:endParaRPr lang="en-US"/>
           </a:p>
@@ -2074,7 +2074,7 @@
           <a:p>
             <a:fld id="{0B4E757A-3EC2-4683-9080-1A460C37C843}" type="datetime1">
               <a:rPr lang="en-US" smtClean="0"/>
-              <a:t>1/14/2025</a:t>
+              <a:t>1/16/2025</a:t>
             </a:fld>
             <a:endParaRPr lang="en-US"/>
           </a:p>
@@ -2290,7 +2290,7 @@
           <a:p>
             <a:fld id="{5CC8096C-64ED-4153-A483-5C02E44AD5C3}" type="datetime1">
               <a:rPr lang="en-US" smtClean="0"/>
-              <a:t>1/14/2025</a:t>
+              <a:t>1/16/2025</a:t>
             </a:fld>
             <a:endParaRPr lang="en-US" dirty="0"/>
           </a:p>
@@ -2523,7 +2523,7 @@
           <a:p>
             <a:fld id="{1CB9D56B-6EBE-4E5F-99D9-2A3DBDF37D0A}" type="datetime1">
               <a:rPr lang="en-US" smtClean="0"/>
-              <a:t>1/14/2025</a:t>
+              <a:t>1/16/2025</a:t>
             </a:fld>
             <a:endParaRPr lang="en-US"/>
           </a:p>
@@ -2800,7 +2800,7 @@
           <a:p>
             <a:fld id="{8C33F3CA-C7E3-432D-9282-18F13836509A}" type="datetime1">
               <a:rPr lang="en-US" smtClean="0"/>
-              <a:t>1/14/2025</a:t>
+              <a:t>1/16/2025</a:t>
             </a:fld>
             <a:endParaRPr lang="en-US" dirty="0"/>
           </a:p>
@@ -3070,7 +3070,7 @@
           <a:p>
             <a:fld id="{75BE9C62-1337-40B8-BA50-E9F4861DB4BC}" type="datetime1">
               <a:rPr lang="en-US" smtClean="0"/>
-              <a:t>1/14/2025</a:t>
+              <a:t>1/16/2025</a:t>
             </a:fld>
             <a:endParaRPr lang="en-US"/>
           </a:p>
@@ -3487,7 +3487,7 @@
           <a:p>
             <a:fld id="{47C195EB-2DA3-4B24-8725-19BC22A7BE50}" type="datetime1">
               <a:rPr lang="en-US" smtClean="0"/>
-              <a:t>1/14/2025</a:t>
+              <a:t>1/16/2025</a:t>
             </a:fld>
             <a:endParaRPr lang="en-US"/>
           </a:p>
@@ -3632,7 +3632,7 @@
           <a:p>
             <a:fld id="{F4E237E6-0076-4915-A5A8-B7C11FA4F374}" type="datetime1">
               <a:rPr lang="en-US" smtClean="0"/>
-              <a:t>1/14/2025</a:t>
+              <a:t>1/16/2025</a:t>
             </a:fld>
             <a:endParaRPr lang="en-US"/>
           </a:p>
@@ -3748,7 +3748,7 @@
           <a:p>
             <a:fld id="{3505F58F-C0B5-422A-8E5A-6B99E5D80F0A}" type="datetime1">
               <a:rPr lang="en-US" smtClean="0"/>
-              <a:t>1/14/2025</a:t>
+              <a:t>1/16/2025</a:t>
             </a:fld>
             <a:endParaRPr lang="en-US"/>
           </a:p>
@@ -4064,7 +4064,7 @@
           <a:p>
             <a:fld id="{7565E655-9687-48DF-A33F-F8824CCCB5D1}" type="datetime1">
               <a:rPr lang="en-US" smtClean="0"/>
-              <a:t>1/14/2025</a:t>
+              <a:t>1/16/2025</a:t>
             </a:fld>
             <a:endParaRPr lang="en-US"/>
           </a:p>
@@ -4360,7 +4360,7 @@
           <a:p>
             <a:fld id="{B97FD56A-AAB8-4544-A495-D0645413C9E3}" type="datetime1">
               <a:rPr lang="en-US" smtClean="0"/>
-              <a:t>1/14/2025</a:t>
+              <a:t>1/16/2025</a:t>
             </a:fld>
             <a:endParaRPr lang="en-US"/>
           </a:p>
@@ -6181,7 +6181,7 @@
             <a:fld id="{193BAB95-8DA7-460B-B00A-7037C8394FB0}" type="datetime1">
               <a:rPr lang="en-US" smtClean="0"/>
               <a:pPr/>
-              <a:t>1/14/2025</a:t>
+              <a:t>1/16/2025</a:t>
             </a:fld>
             <a:endParaRPr lang="en-US" dirty="0"/>
           </a:p>
@@ -11201,7 +11201,7 @@
                   <a:schemeClr val="tx2"/>
                 </a:solidFill>
               </a:rPr>
-              <a:t>SQL Datenbank</a:t>
+              <a:t>SQL-Datenbank</a:t>
             </a:r>
           </a:p>
           <a:p>

--- a/To-Do Projekt.pptx
+++ b/To-Do Projekt.pptx
@@ -20921,6 +20921,36 @@
           </a:p>
         </p:txBody>
       </p:sp>
+      <p:pic>
+        <p:nvPicPr>
+          <p:cNvPr id="5" name="Grafik 4">
+            <a:extLst>
+              <a:ext uri="{FF2B5EF4-FFF2-40B4-BE49-F238E27FC236}">
+                <a16:creationId xmlns:a16="http://schemas.microsoft.com/office/drawing/2014/main" id="{A7DB83A5-6A39-708B-D806-1AA232A03DDA}"/>
+              </a:ext>
+            </a:extLst>
+          </p:cNvPr>
+          <p:cNvPicPr>
+            <a:picLocks noChangeAspect="1"/>
+          </p:cNvPicPr>
+          <p:nvPr/>
+        </p:nvPicPr>
+        <p:blipFill>
+          <a:blip r:embed="rId2"/>
+          <a:stretch>
+            <a:fillRect/>
+          </a:stretch>
+        </p:blipFill>
+        <p:spPr>
+          <a:xfrm>
+            <a:off x="2200667" y="1790881"/>
+            <a:ext cx="9659815" cy="4356247"/>
+          </a:xfrm>
+          <a:prstGeom prst="rect">
+            <a:avLst/>
+          </a:prstGeom>
+        </p:spPr>
+      </p:pic>
     </p:spTree>
     <p:extLst>
       <p:ext uri="{BB962C8B-B14F-4D97-AF65-F5344CB8AC3E}">

--- a/To-Do Projekt.pptx
+++ b/To-Do Projekt.pptx
@@ -20923,10 +20923,10 @@
       </p:sp>
       <p:pic>
         <p:nvPicPr>
-          <p:cNvPr id="5" name="Grafik 4">
+          <p:cNvPr id="6" name="Grafik 5">
             <a:extLst>
               <a:ext uri="{FF2B5EF4-FFF2-40B4-BE49-F238E27FC236}">
-                <a16:creationId xmlns:a16="http://schemas.microsoft.com/office/drawing/2014/main" id="{A7DB83A5-6A39-708B-D806-1AA232A03DDA}"/>
+                <a16:creationId xmlns:a16="http://schemas.microsoft.com/office/drawing/2014/main" id="{DFF6853E-E8F6-EA90-FF65-7E7BC59D1701}"/>
               </a:ext>
             </a:extLst>
           </p:cNvPr>
@@ -20943,8 +20943,8 @@
         </p:blipFill>
         <p:spPr>
           <a:xfrm>
-            <a:off x="2200667" y="1790881"/>
-            <a:ext cx="9659815" cy="4356247"/>
+            <a:off x="2097438" y="1902647"/>
+            <a:ext cx="9921073" cy="4202572"/>
           </a:xfrm>
           <a:prstGeom prst="rect">
             <a:avLst/>
